--- a/reports/poster.pptx
+++ b/reports/poster.pptx
@@ -5110,7 +5110,7 @@
         <p:spPr>
           <a:xfrm>
             <a:off x="427037" y="9433719"/>
-            <a:ext cx="13411200" cy="11603176"/>
+            <a:ext cx="13411200" cy="12095619"/>
           </a:xfrm>
           <a:prstGeom prst="rect">
             <a:avLst/>
@@ -5186,6 +5186,26 @@
               </a:rPr>
               <a:t>: a combination of energy, rhythm, and tempo approximated using algorithmic </a:t>
             </a:r>
+            <a:r>
+              <a:rPr lang="en-US" sz="3200" dirty="0">
+                <a:solidFill>
+                  <a:schemeClr val="bg1"/>
+                </a:solidFill>
+                <a:latin typeface="Copperplate Light"/>
+                <a:cs typeface="Copperplate Light"/>
+              </a:rPr>
+              <a:t>estimation. </a:t>
+            </a:r>
+            <a:r>
+              <a:rPr lang="en-US" sz="3200">
+                <a:solidFill>
+                  <a:schemeClr val="bg1"/>
+                </a:solidFill>
+                <a:latin typeface="Copperplate Light"/>
+                <a:cs typeface="Copperplate Light"/>
+              </a:rPr>
+              <a:t>(values in range: [0.0,1.0])</a:t>
+            </a:r>
             <a:endParaRPr lang="en-US" sz="3200" dirty="0" smtClean="0">
               <a:solidFill>
                 <a:schemeClr val="bg1"/>
@@ -5346,7 +5366,27 @@
                 <a:latin typeface="Copperplate Light"/>
                 <a:cs typeface="Copperplate Light"/>
               </a:rPr>
-              <a:t>Can we derive the values of the objective attributes for a given song? </a:t>
+              <a:t>Can we derive the values of the </a:t>
+            </a:r>
+            <a:r>
+              <a:rPr lang="en-US" sz="3600" dirty="0" smtClean="0">
+                <a:solidFill>
+                  <a:schemeClr val="bg1"/>
+                </a:solidFill>
+                <a:latin typeface="Copperplate Light"/>
+                <a:cs typeface="Copperplate Light"/>
+              </a:rPr>
+              <a:t>subjective </a:t>
+            </a:r>
+            <a:r>
+              <a:rPr lang="en-US" sz="3600" dirty="0" smtClean="0">
+                <a:solidFill>
+                  <a:schemeClr val="bg1"/>
+                </a:solidFill>
+                <a:latin typeface="Copperplate Light"/>
+                <a:cs typeface="Copperplate Light"/>
+              </a:rPr>
+              <a:t>attributes for a given song? </a:t>
             </a:r>
           </a:p>
           <a:p>
